--- a/taming-the-hydra.pptx
+++ b/taming-the-hydra.pptx
@@ -11,10 +11,9 @@
     <p:sldId id="258" r:id="rId5"/>
     <p:sldId id="259" r:id="rId6"/>
     <p:sldId id="264" r:id="rId7"/>
-    <p:sldId id="260" r:id="rId8"/>
-    <p:sldId id="261" r:id="rId9"/>
-    <p:sldId id="263" r:id="rId10"/>
-    <p:sldId id="262" r:id="rId11"/>
+    <p:sldId id="261" r:id="rId8"/>
+    <p:sldId id="263" r:id="rId9"/>
+    <p:sldId id="262" r:id="rId10"/>
   </p:sldIdLst>
   <p:sldSz cx="12192000" cy="6858000"/>
   <p:notesSz cx="6858000" cy="9144000"/>
@@ -3624,67 +3623,6 @@
 </p:sld>
 </file>
 
-<file path=ppt/slides/slide10.xml><?xml version="1.0" encoding="utf-8"?>
-<p:sld xmlns:a="http://schemas.openxmlformats.org/drawingml/2006/main" xmlns:r="http://schemas.openxmlformats.org/officeDocument/2006/relationships" xmlns:p="http://schemas.openxmlformats.org/presentationml/2006/main">
-  <p:cSld>
-    <p:spTree>
-      <p:nvGrpSpPr>
-        <p:cNvPr id="1" name=""/>
-        <p:cNvGrpSpPr/>
-        <p:nvPr/>
-      </p:nvGrpSpPr>
-      <p:grpSpPr>
-        <a:xfrm>
-          <a:off x="0" y="0"/>
-          <a:ext cx="0" cy="0"/>
-          <a:chOff x="0" y="0"/>
-          <a:chExt cx="0" cy="0"/>
-        </a:xfrm>
-      </p:grpSpPr>
-      <p:sp>
-        <p:nvSpPr>
-          <p:cNvPr id="2" name="Title 1">
-            <a:extLst>
-              <a:ext uri="{FF2B5EF4-FFF2-40B4-BE49-F238E27FC236}">
-                <a16:creationId xmlns:a16="http://schemas.microsoft.com/office/drawing/2014/main" id="{97D329C5-60E8-4A9F-8B43-CE1C37290B46}"/>
-              </a:ext>
-            </a:extLst>
-          </p:cNvPr>
-          <p:cNvSpPr>
-            <a:spLocks noGrp="1"/>
-          </p:cNvSpPr>
-          <p:nvPr>
-            <p:ph type="title"/>
-          </p:nvPr>
-        </p:nvSpPr>
-        <p:spPr/>
-        <p:txBody>
-          <a:bodyPr/>
-          <a:lstStyle/>
-          <a:p>
-            <a:pPr algn="ctr"/>
-            <a:r>
-              <a:rPr lang="en-US" dirty="0">
-                <a:latin typeface="High Tower Text" panose="02040502050506030303" pitchFamily="18" charset="0"/>
-              </a:rPr>
-              <a:t>Thank You</a:t>
-            </a:r>
-          </a:p>
-        </p:txBody>
-      </p:sp>
-    </p:spTree>
-    <p:extLst>
-      <p:ext uri="{BB962C8B-B14F-4D97-AF65-F5344CB8AC3E}">
-        <p14:creationId xmlns:p14="http://schemas.microsoft.com/office/powerpoint/2010/main" val="4110904200"/>
-      </p:ext>
-    </p:extLst>
-  </p:cSld>
-  <p:clrMapOvr>
-    <a:masterClrMapping/>
-  </p:clrMapOvr>
-</p:sld>
-</file>
-
 <file path=ppt/slides/slide2.xml><?xml version="1.0" encoding="utf-8"?>
 <p:sld xmlns:a="http://schemas.openxmlformats.org/drawingml/2006/main" xmlns:r="http://schemas.openxmlformats.org/officeDocument/2006/relationships" xmlns:p="http://schemas.openxmlformats.org/presentationml/2006/main">
   <p:cSld>
@@ -3883,8 +3821,8 @@
         </p:nvSpPr>
         <p:spPr>
           <a:xfrm>
-            <a:off x="6229642" y="1901772"/>
-            <a:ext cx="5046094" cy="2862322"/>
+            <a:off x="6011333" y="1901772"/>
+            <a:ext cx="5264403" cy="2862322"/>
           </a:xfrm>
           <a:prstGeom prst="rect">
             <a:avLst/>
@@ -4038,7 +3976,7 @@
         <p:spPr>
           <a:xfrm>
             <a:off x="1045018" y="5554133"/>
-            <a:ext cx="3980962" cy="646331"/>
+            <a:ext cx="3980962" cy="923330"/>
           </a:xfrm>
           <a:prstGeom prst="rect">
             <a:avLst/>
@@ -4046,7 +3984,7 @@
           <a:noFill/>
         </p:spPr>
         <p:txBody>
-          <a:bodyPr wrap="none" rtlCol="0">
+          <a:bodyPr wrap="square" rtlCol="0">
             <a:spAutoFit/>
           </a:bodyPr>
           <a:lstStyle/>
@@ -4060,10 +3998,10 @@
                   </a:schemeClr>
                 </a:solidFill>
               </a:rPr>
-              <a:t>Hercules and the </a:t>
-            </a:r>
-            <a:r>
-              <a:rPr lang="en-US" dirty="0" err="1">
+              <a:t>Gustave Moreau</a:t>
+            </a:r>
+            <a:br>
+              <a:rPr lang="en-US" i="1" dirty="0">
                 <a:solidFill>
                   <a:schemeClr val="tx1">
                     <a:lumMod val="65000"/>
@@ -4071,7 +4009,39 @@
                   </a:schemeClr>
                 </a:solidFill>
               </a:rPr>
+            </a:br>
+            <a:r>
+              <a:rPr lang="en-US" i="1" dirty="0">
+                <a:solidFill>
+                  <a:schemeClr val="tx1">
+                    <a:lumMod val="65000"/>
+                    <a:lumOff val="35000"/>
+                  </a:schemeClr>
+                </a:solidFill>
+              </a:rPr>
+              <a:t>Hercules and the </a:t>
+            </a:r>
+            <a:r>
+              <a:rPr lang="en-US" i="1" dirty="0" err="1">
+                <a:solidFill>
+                  <a:schemeClr val="tx1">
+                    <a:lumMod val="65000"/>
+                    <a:lumOff val="35000"/>
+                  </a:schemeClr>
+                </a:solidFill>
+              </a:rPr>
               <a:t>Lernean</a:t>
+            </a:r>
+            <a:r>
+              <a:rPr lang="en-US" i="1" dirty="0">
+                <a:solidFill>
+                  <a:schemeClr val="tx1">
+                    <a:lumMod val="65000"/>
+                    <a:lumOff val="35000"/>
+                  </a:schemeClr>
+                </a:solidFill>
+              </a:rPr>
+              <a:t> Hydra</a:t>
             </a:r>
             <a:r>
               <a:rPr lang="en-US" dirty="0">
@@ -4082,7 +4052,7 @@
                   </a:schemeClr>
                 </a:solidFill>
               </a:rPr>
-              <a:t> Hydra, 1875/6</a:t>
+              <a:t>, 1875/6</a:t>
             </a:r>
             <a:br>
               <a:rPr lang="en-US" dirty="0">
@@ -4152,7 +4122,7 @@
         </p:nvSpPr>
         <p:spPr>
           <a:xfrm>
-            <a:off x="233756" y="233756"/>
+            <a:off x="758689" y="935026"/>
             <a:ext cx="3960108" cy="584775"/>
           </a:xfrm>
           <a:prstGeom prst="rect">
@@ -4195,7 +4165,7 @@
         </p:nvSpPr>
         <p:spPr>
           <a:xfrm>
-            <a:off x="343760" y="1168782"/>
+            <a:off x="1021994" y="2044005"/>
             <a:ext cx="4125113" cy="1384995"/>
           </a:xfrm>
           <a:prstGeom prst="rect">
@@ -4983,7 +4953,7 @@
           <p:cNvPr id="2" name="Title 1">
             <a:extLst>
               <a:ext uri="{FF2B5EF4-FFF2-40B4-BE49-F238E27FC236}">
-                <a16:creationId xmlns:a16="http://schemas.microsoft.com/office/drawing/2014/main" id="{63853B49-FD78-4F36-902C-C73DF6A64EFE}"/>
+                <a16:creationId xmlns:a16="http://schemas.microsoft.com/office/drawing/2014/main" id="{08EE680D-93A4-418B-A36F-20372EC9483B}"/>
               </a:ext>
             </a:extLst>
           </p:cNvPr>
@@ -5003,7 +4973,7 @@
               <a:rPr lang="en-US" dirty="0">
                 <a:latin typeface="High Tower Text" panose="02040502050506030303" pitchFamily="18" charset="0"/>
               </a:rPr>
-              <a:t>Workspaces</a:t>
+              <a:t>Caution! </a:t>
             </a:r>
           </a:p>
         </p:txBody>
@@ -5013,7 +4983,7 @@
           <p:cNvPr id="3" name="Content Placeholder 2">
             <a:extLst>
               <a:ext uri="{FF2B5EF4-FFF2-40B4-BE49-F238E27FC236}">
-                <a16:creationId xmlns:a16="http://schemas.microsoft.com/office/drawing/2014/main" id="{76B46ACB-E80D-4ED8-9FB4-3F4F94B10C5C}"/>
+                <a16:creationId xmlns:a16="http://schemas.microsoft.com/office/drawing/2014/main" id="{C0BFD598-7E23-40C9-A180-B14CD323879E}"/>
               </a:ext>
             </a:extLst>
           </p:cNvPr>
@@ -5033,60 +5003,40 @@
               <a:rPr lang="en-US" dirty="0">
                 <a:latin typeface="High Tower Text" panose="02040502050506030303" pitchFamily="18" charset="0"/>
               </a:rPr>
-              <a:t>Yarn has support for workspaces</a:t>
+              <a:t>The Initial Refactor</a:t>
+            </a:r>
+          </a:p>
+          <a:p>
+            <a:r>
+              <a:rPr lang="en-US" dirty="0">
+                <a:latin typeface="High Tower Text" panose="02040502050506030303" pitchFamily="18" charset="0"/>
+              </a:rPr>
+              <a:t>Using the workflow</a:t>
+            </a:r>
+          </a:p>
+          <a:p>
+            <a:r>
+              <a:rPr lang="en-US" dirty="0">
+                <a:latin typeface="High Tower Text" panose="02040502050506030303" pitchFamily="18" charset="0"/>
+              </a:rPr>
+              <a:t>Singular git history</a:t>
             </a:r>
           </a:p>
           <a:p>
             <a:pPr lvl="1"/>
             <a:r>
               <a:rPr lang="en-US" dirty="0">
-                <a:latin typeface="High Tower Text" panose="02040502050506030303" pitchFamily="18" charset="0"/>
-              </a:rPr>
-              <a:t>Linked dependencies</a:t>
-            </a:r>
-          </a:p>
-          <a:p>
-            <a:pPr lvl="1"/>
-            <a:r>
-              <a:rPr lang="en-US" dirty="0">
-                <a:latin typeface="High Tower Text" panose="02040502050506030303" pitchFamily="18" charset="0"/>
-              </a:rPr>
-              <a:t>Single lock file</a:t>
-            </a:r>
-          </a:p>
-          <a:p>
-            <a:r>
-              <a:rPr lang="en-US" dirty="0">
-                <a:latin typeface="High Tower Text" panose="02040502050506030303" pitchFamily="18" charset="0"/>
-              </a:rPr>
-              <a:t>Low-level</a:t>
-            </a:r>
-          </a:p>
-          <a:p>
-            <a:r>
-              <a:rPr lang="en-US" dirty="0">
-                <a:latin typeface="High Tower Text" panose="02040502050506030303" pitchFamily="18" charset="0"/>
-              </a:rPr>
-              <a:t>Can’t nest</a:t>
-            </a:r>
-          </a:p>
-          <a:p>
-            <a:endParaRPr lang="en-US" dirty="0">
-              <a:latin typeface="High Tower Text" panose="02040502050506030303" pitchFamily="18" charset="0"/>
-            </a:endParaRPr>
-          </a:p>
-          <a:p>
-            <a:pPr lvl="1"/>
-            <a:endParaRPr lang="en-US" dirty="0">
-              <a:latin typeface="High Tower Text" panose="02040502050506030303" pitchFamily="18" charset="0"/>
-            </a:endParaRPr>
+                <a:latin typeface="Sitka Heading" panose="02000505000000020004" pitchFamily="2" charset="0"/>
+              </a:rPr>
+              <a:t>=&gt; import multiple git histories!</a:t>
+            </a:r>
           </a:p>
         </p:txBody>
       </p:sp>
     </p:spTree>
     <p:extLst>
       <p:ext uri="{BB962C8B-B14F-4D97-AF65-F5344CB8AC3E}">
-        <p14:creationId xmlns:p14="http://schemas.microsoft.com/office/powerpoint/2010/main" val="3025590637"/>
+        <p14:creationId xmlns:p14="http://schemas.microsoft.com/office/powerpoint/2010/main" val="1782398947"/>
       </p:ext>
     </p:extLst>
   </p:cSld>
@@ -5118,7 +5068,7 @@
           <p:cNvPr id="2" name="Title 1">
             <a:extLst>
               <a:ext uri="{FF2B5EF4-FFF2-40B4-BE49-F238E27FC236}">
-                <a16:creationId xmlns:a16="http://schemas.microsoft.com/office/drawing/2014/main" id="{08EE680D-93A4-418B-A36F-20372EC9483B}"/>
+                <a16:creationId xmlns:a16="http://schemas.microsoft.com/office/drawing/2014/main" id="{FF1DD8E9-8D89-4ECD-8205-99D8DDEF6378}"/>
               </a:ext>
             </a:extLst>
           </p:cNvPr>
@@ -5138,7 +5088,7 @@
               <a:rPr lang="en-US" dirty="0">
                 <a:latin typeface="High Tower Text" panose="02040502050506030303" pitchFamily="18" charset="0"/>
               </a:rPr>
-              <a:t>Caution! </a:t>
+              <a:t>Further Reading</a:t>
             </a:r>
           </a:p>
         </p:txBody>
@@ -5148,7 +5098,7 @@
           <p:cNvPr id="3" name="Content Placeholder 2">
             <a:extLst>
               <a:ext uri="{FF2B5EF4-FFF2-40B4-BE49-F238E27FC236}">
-                <a16:creationId xmlns:a16="http://schemas.microsoft.com/office/drawing/2014/main" id="{C0BFD598-7E23-40C9-A180-B14CD323879E}"/>
+                <a16:creationId xmlns:a16="http://schemas.microsoft.com/office/drawing/2014/main" id="{ABEC8CC2-FCF7-4AF0-9B08-4698D0569240}"/>
               </a:ext>
             </a:extLst>
           </p:cNvPr>
@@ -5165,43 +5115,145 @@
           <a:lstStyle/>
           <a:p>
             <a:r>
+              <a:rPr lang="en-US" dirty="0" err="1">
+                <a:latin typeface="High Tower Text" panose="02040502050506030303" pitchFamily="18" charset="0"/>
+              </a:rPr>
+              <a:t>Github</a:t>
+            </a:r>
+            <a:r>
               <a:rPr lang="en-US" dirty="0">
                 <a:latin typeface="High Tower Text" panose="02040502050506030303" pitchFamily="18" charset="0"/>
               </a:rPr>
-              <a:t>The Initial Refactor</a:t>
-            </a:r>
-          </a:p>
-          <a:p>
+              <a:t> Repo with Example + Slides</a:t>
+            </a:r>
+          </a:p>
+          <a:p>
+            <a:pPr lvl="1"/>
             <a:r>
               <a:rPr lang="en-US" dirty="0">
                 <a:latin typeface="High Tower Text" panose="02040502050506030303" pitchFamily="18" charset="0"/>
               </a:rPr>
-              <a:t>Using the workflow</a:t>
-            </a:r>
-          </a:p>
-          <a:p>
-            <a:r>
-              <a:rPr lang="en-US" dirty="0">
-                <a:latin typeface="High Tower Text" panose="02040502050506030303" pitchFamily="18" charset="0"/>
-              </a:rPr>
-              <a:t>Singular git history</a:t>
-            </a:r>
-          </a:p>
-          <a:p>
-            <a:pPr lvl="1"/>
+              <a:t>=&gt; </a:t>
+            </a:r>
             <a:r>
               <a:rPr lang="en-US" dirty="0">
                 <a:latin typeface="Sitka Heading" panose="02000505000000020004" pitchFamily="2" charset="0"/>
-              </a:rPr>
-              <a:t>=&gt; import multiple git histories!</a:t>
-            </a:r>
+                <a:hlinkClick r:id="rId2"/>
+              </a:rPr>
+              <a:t>http://github.com/EmmaRamirez/taming-the-hydra</a:t>
+            </a:r>
+            <a:endParaRPr lang="en-US" dirty="0">
+              <a:latin typeface="Sitka Heading" panose="02000505000000020004" pitchFamily="2" charset="0"/>
+            </a:endParaRPr>
+          </a:p>
+          <a:p>
+            <a:r>
+              <a:rPr lang="en-US" dirty="0" err="1">
+                <a:latin typeface="Sitka Heading" panose="02000505000000020004" pitchFamily="2" charset="0"/>
+              </a:rPr>
+              <a:t>Lerna</a:t>
+            </a:r>
+            <a:r>
+              <a:rPr lang="en-US" dirty="0">
+                <a:latin typeface="Sitka Heading" panose="02000505000000020004" pitchFamily="2" charset="0"/>
+              </a:rPr>
+              <a:t>-Semantic-Release</a:t>
+            </a:r>
+          </a:p>
+          <a:p>
+            <a:pPr lvl="1"/>
+            <a:r>
+              <a:rPr lang="en-US" dirty="0">
+                <a:latin typeface="Sitka Heading" panose="02000505000000020004" pitchFamily="2" charset="0"/>
+              </a:rPr>
+              <a:t>=&gt; </a:t>
+            </a:r>
+            <a:r>
+              <a:rPr lang="en-US" dirty="0">
+                <a:latin typeface="Sitka Heading" panose="02000505000000020004" pitchFamily="2" charset="0"/>
+                <a:hlinkClick r:id="rId3"/>
+              </a:rPr>
+              <a:t>https://github.com/atlassian/lerna-semantic-release</a:t>
+            </a:r>
+            <a:endParaRPr lang="en-US" dirty="0">
+              <a:latin typeface="Sitka Heading" panose="02000505000000020004" pitchFamily="2" charset="0"/>
+            </a:endParaRPr>
+          </a:p>
+          <a:p>
+            <a:r>
+              <a:rPr lang="en-US" dirty="0">
+                <a:latin typeface="Sitka Heading" panose="02000505000000020004" pitchFamily="2" charset="0"/>
+              </a:rPr>
+              <a:t>ClipArt </a:t>
+            </a:r>
+            <a:r>
+              <a:rPr lang="en-US" dirty="0" err="1">
+                <a:latin typeface="Sitka Heading" panose="02000505000000020004" pitchFamily="2" charset="0"/>
+              </a:rPr>
+              <a:t>Etc</a:t>
+            </a:r>
+            <a:endParaRPr lang="en-US" dirty="0">
+              <a:latin typeface="Sitka Heading" panose="02000505000000020004" pitchFamily="2" charset="0"/>
+            </a:endParaRPr>
+          </a:p>
+          <a:p>
+            <a:pPr lvl="1"/>
+            <a:r>
+              <a:rPr lang="en-US" dirty="0">
+                <a:latin typeface="Sitka Heading" panose="02000505000000020004" pitchFamily="2" charset="0"/>
+              </a:rPr>
+              <a:t>=&gt; </a:t>
+            </a:r>
+            <a:r>
+              <a:rPr lang="en-US" dirty="0">
+                <a:latin typeface="Sitka Heading" panose="02000505000000020004" pitchFamily="2" charset="0"/>
+                <a:hlinkClick r:id="rId4"/>
+              </a:rPr>
+              <a:t>https://etc.usf.edu/clipart</a:t>
+            </a:r>
+            <a:endParaRPr lang="en-US" dirty="0">
+              <a:latin typeface="Sitka Heading" panose="02000505000000020004" pitchFamily="2" charset="0"/>
+            </a:endParaRPr>
+          </a:p>
+          <a:p>
+            <a:r>
+              <a:rPr lang="en-US" dirty="0" err="1">
+                <a:latin typeface="Sitka Heading" panose="02000505000000020004" pitchFamily="2" charset="0"/>
+              </a:rPr>
+              <a:t>Lerna</a:t>
+            </a:r>
+            <a:r>
+              <a:rPr lang="en-US" dirty="0">
+                <a:latin typeface="Sitka Heading" panose="02000505000000020004" pitchFamily="2" charset="0"/>
+              </a:rPr>
+              <a:t> Wizard</a:t>
+            </a:r>
+          </a:p>
+          <a:p>
+            <a:pPr lvl="1"/>
+            <a:r>
+              <a:rPr lang="en-US" dirty="0">
+                <a:latin typeface="Sitka Heading" panose="02000505000000020004" pitchFamily="2" charset="0"/>
+              </a:rPr>
+              <a:t>=&gt; </a:t>
+            </a:r>
+            <a:r>
+              <a:rPr lang="en-US" dirty="0">
+                <a:latin typeface="Sitka Heading" panose="02000505000000020004" pitchFamily="2" charset="0"/>
+                <a:hlinkClick r:id="rId5"/>
+              </a:rPr>
+              <a:t>https://github.com/szarouski/lerna-wizard</a:t>
+            </a:r>
+            <a:endParaRPr lang="en-US" dirty="0">
+              <a:latin typeface="Sitka Heading" panose="02000505000000020004" pitchFamily="2" charset="0"/>
+            </a:endParaRPr>
           </a:p>
         </p:txBody>
       </p:sp>
     </p:spTree>
     <p:extLst>
       <p:ext uri="{BB962C8B-B14F-4D97-AF65-F5344CB8AC3E}">
-        <p14:creationId xmlns:p14="http://schemas.microsoft.com/office/powerpoint/2010/main" val="1782398947"/>
+        <p14:creationId xmlns:p14="http://schemas.microsoft.com/office/powerpoint/2010/main" val="786593780"/>
       </p:ext>
     </p:extLst>
   </p:cSld>
@@ -5233,7 +5285,7 @@
           <p:cNvPr id="2" name="Title 1">
             <a:extLst>
               <a:ext uri="{FF2B5EF4-FFF2-40B4-BE49-F238E27FC236}">
-                <a16:creationId xmlns:a16="http://schemas.microsoft.com/office/drawing/2014/main" id="{FF1DD8E9-8D89-4ECD-8205-99D8DDEF6378}"/>
+                <a16:creationId xmlns:a16="http://schemas.microsoft.com/office/drawing/2014/main" id="{97D329C5-60E8-4A9F-8B43-CE1C37290B46}"/>
               </a:ext>
             </a:extLst>
           </p:cNvPr>
@@ -5249,176 +5301,20 @@
           <a:bodyPr/>
           <a:lstStyle/>
           <a:p>
+            <a:pPr algn="ctr"/>
             <a:r>
               <a:rPr lang="en-US" dirty="0">
                 <a:latin typeface="High Tower Text" panose="02040502050506030303" pitchFamily="18" charset="0"/>
               </a:rPr>
-              <a:t>Further Reading</a:t>
-            </a:r>
-          </a:p>
-        </p:txBody>
-      </p:sp>
-      <p:sp>
-        <p:nvSpPr>
-          <p:cNvPr id="3" name="Content Placeholder 2">
-            <a:extLst>
-              <a:ext uri="{FF2B5EF4-FFF2-40B4-BE49-F238E27FC236}">
-                <a16:creationId xmlns:a16="http://schemas.microsoft.com/office/drawing/2014/main" id="{ABEC8CC2-FCF7-4AF0-9B08-4698D0569240}"/>
-              </a:ext>
-            </a:extLst>
-          </p:cNvPr>
-          <p:cNvSpPr>
-            <a:spLocks noGrp="1"/>
-          </p:cNvSpPr>
-          <p:nvPr>
-            <p:ph idx="1"/>
-          </p:nvPr>
-        </p:nvSpPr>
-        <p:spPr/>
-        <p:txBody>
-          <a:bodyPr/>
-          <a:lstStyle/>
-          <a:p>
-            <a:r>
-              <a:rPr lang="en-US" dirty="0" err="1">
-                <a:latin typeface="High Tower Text" panose="02040502050506030303" pitchFamily="18" charset="0"/>
-              </a:rPr>
-              <a:t>Github</a:t>
-            </a:r>
-            <a:r>
-              <a:rPr lang="en-US" dirty="0">
-                <a:latin typeface="High Tower Text" panose="02040502050506030303" pitchFamily="18" charset="0"/>
-              </a:rPr>
-              <a:t> Repo with Example + Slides</a:t>
-            </a:r>
-          </a:p>
-          <a:p>
-            <a:pPr lvl="1"/>
-            <a:r>
-              <a:rPr lang="en-US" dirty="0">
-                <a:latin typeface="High Tower Text" panose="02040502050506030303" pitchFamily="18" charset="0"/>
-              </a:rPr>
-              <a:t>=&gt; </a:t>
-            </a:r>
-            <a:r>
-              <a:rPr lang="en-US" dirty="0">
-                <a:latin typeface="Sitka Heading" panose="02000505000000020004" pitchFamily="2" charset="0"/>
-                <a:hlinkClick r:id="rId2"/>
-              </a:rPr>
-              <a:t>http://github.com/EmmaRamirez/taming-the-hydra</a:t>
-            </a:r>
-            <a:endParaRPr lang="en-US" dirty="0">
-              <a:latin typeface="Sitka Heading" panose="02000505000000020004" pitchFamily="2" charset="0"/>
-            </a:endParaRPr>
-          </a:p>
-          <a:p>
-            <a:r>
-              <a:rPr lang="en-US" dirty="0" err="1">
-                <a:latin typeface="Sitka Heading" panose="02000505000000020004" pitchFamily="2" charset="0"/>
-              </a:rPr>
-              <a:t>Lerna</a:t>
-            </a:r>
-            <a:r>
-              <a:rPr lang="en-US" dirty="0">
-                <a:latin typeface="Sitka Heading" panose="02000505000000020004" pitchFamily="2" charset="0"/>
-              </a:rPr>
-              <a:t>-Semantic-Release</a:t>
-            </a:r>
-          </a:p>
-          <a:p>
-            <a:pPr lvl="1"/>
-            <a:r>
-              <a:rPr lang="en-US" dirty="0">
-                <a:latin typeface="Sitka Heading" panose="02000505000000020004" pitchFamily="2" charset="0"/>
-              </a:rPr>
-              <a:t>=&gt; </a:t>
-            </a:r>
-            <a:r>
-              <a:rPr lang="en-US" dirty="0">
-                <a:latin typeface="Sitka Heading" panose="02000505000000020004" pitchFamily="2" charset="0"/>
-                <a:hlinkClick r:id="rId3"/>
-              </a:rPr>
-              <a:t>https://github.com/atlassian/lerna-semantic-release</a:t>
-            </a:r>
-            <a:endParaRPr lang="en-US" dirty="0">
-              <a:latin typeface="Sitka Heading" panose="02000505000000020004" pitchFamily="2" charset="0"/>
-            </a:endParaRPr>
-          </a:p>
-          <a:p>
-            <a:r>
-              <a:rPr lang="en-US" dirty="0">
-                <a:latin typeface="Sitka Heading" panose="02000505000000020004" pitchFamily="2" charset="0"/>
-              </a:rPr>
-              <a:t>ClipArt </a:t>
-            </a:r>
-            <a:r>
-              <a:rPr lang="en-US" dirty="0" err="1">
-                <a:latin typeface="Sitka Heading" panose="02000505000000020004" pitchFamily="2" charset="0"/>
-              </a:rPr>
-              <a:t>Etc</a:t>
-            </a:r>
-            <a:endParaRPr lang="en-US" dirty="0">
-              <a:latin typeface="Sitka Heading" panose="02000505000000020004" pitchFamily="2" charset="0"/>
-            </a:endParaRPr>
-          </a:p>
-          <a:p>
-            <a:pPr lvl="1"/>
-            <a:r>
-              <a:rPr lang="en-US" dirty="0">
-                <a:latin typeface="Sitka Heading" panose="02000505000000020004" pitchFamily="2" charset="0"/>
-              </a:rPr>
-              <a:t>=&gt; </a:t>
-            </a:r>
-            <a:r>
-              <a:rPr lang="en-US" dirty="0">
-                <a:latin typeface="Sitka Heading" panose="02000505000000020004" pitchFamily="2" charset="0"/>
-                <a:hlinkClick r:id="rId4"/>
-              </a:rPr>
-              <a:t>https://etc.usf.edu/clipart</a:t>
-            </a:r>
-            <a:endParaRPr lang="en-US" dirty="0">
-              <a:latin typeface="Sitka Heading" panose="02000505000000020004" pitchFamily="2" charset="0"/>
-            </a:endParaRPr>
-          </a:p>
-          <a:p>
-            <a:r>
-              <a:rPr lang="en-US" dirty="0" err="1">
-                <a:latin typeface="Sitka Heading" panose="02000505000000020004" pitchFamily="2" charset="0"/>
-              </a:rPr>
-              <a:t>Lerna</a:t>
-            </a:r>
-            <a:r>
-              <a:rPr lang="en-US" dirty="0">
-                <a:latin typeface="Sitka Heading" panose="02000505000000020004" pitchFamily="2" charset="0"/>
-              </a:rPr>
-              <a:t> Wizard</a:t>
-            </a:r>
-          </a:p>
-          <a:p>
-            <a:pPr lvl="1"/>
-            <a:r>
-              <a:rPr lang="en-US" dirty="0">
-                <a:latin typeface="Sitka Heading" panose="02000505000000020004" pitchFamily="2" charset="0"/>
-              </a:rPr>
-              <a:t>=&gt; </a:t>
-            </a:r>
-            <a:r>
-              <a:rPr lang="en-US" dirty="0">
-                <a:latin typeface="Sitka Heading" panose="02000505000000020004" pitchFamily="2" charset="0"/>
-                <a:hlinkClick r:id="rId5"/>
-              </a:rPr>
-              <a:t>https://github.com/szarouski/lerna-wizard</a:t>
-            </a:r>
-            <a:endParaRPr lang="en-US" dirty="0">
-              <a:latin typeface="Sitka Heading" panose="02000505000000020004" pitchFamily="2" charset="0"/>
-            </a:endParaRPr>
+              <a:t>Thank You</a:t>
+            </a:r>
           </a:p>
         </p:txBody>
       </p:sp>
     </p:spTree>
     <p:extLst>
       <p:ext uri="{BB962C8B-B14F-4D97-AF65-F5344CB8AC3E}">
-        <p14:creationId xmlns:p14="http://schemas.microsoft.com/office/powerpoint/2010/main" val="786593780"/>
+        <p14:creationId xmlns:p14="http://schemas.microsoft.com/office/powerpoint/2010/main" val="4110904200"/>
       </p:ext>
     </p:extLst>
   </p:cSld>
